--- a/Clase 2/Clase2.pptx
+++ b/Clase 2/Clase2.pptx
@@ -14524,15 +14524,32 @@
           </a:p>
         </p:txBody>
       </p:sp>
-      <p:pic>
-        <p:nvPicPr>
-          <p:cNvPr id="4" name="Marcador de contenido 3"/>
-          <p:cNvPicPr>
-            <a:picLocks noGrp="1" noChangeAspect="1"/>
-          </p:cNvPicPr>
+      <p:sp>
+        <p:nvSpPr>
+          <p:cNvPr id="5" name="Marcador de contenido 4"/>
+          <p:cNvSpPr>
+            <a:spLocks noGrp="1"/>
+          </p:cNvSpPr>
           <p:nvPr>
             <p:ph idx="1"/>
           </p:nvPr>
+        </p:nvSpPr>
+        <p:spPr/>
+        <p:txBody>
+          <a:bodyPr/>
+          <a:lstStyle/>
+          <a:p>
+            <a:endParaRPr lang="es-CR"/>
+          </a:p>
+        </p:txBody>
+      </p:sp>
+      <p:pic>
+        <p:nvPicPr>
+          <p:cNvPr id="6" name="Imagen 5"/>
+          <p:cNvPicPr>
+            <a:picLocks noChangeAspect="1"/>
+          </p:cNvPicPr>
+          <p:nvPr/>
         </p:nvPicPr>
         <p:blipFill>
           <a:blip r:embed="rId2"/>
@@ -14542,8 +14559,8 @@
         </p:blipFill>
         <p:spPr>
           <a:xfrm>
-            <a:off x="615709" y="2645546"/>
-            <a:ext cx="8037174" cy="2159953"/>
+            <a:off x="763021" y="2815720"/>
+            <a:ext cx="7617958" cy="1861788"/>
           </a:xfrm>
           <a:prstGeom prst="rect">
             <a:avLst/>
